--- a/BI Case Study.pptx
+++ b/BI Case Study.pptx
@@ -10673,6 +10673,46 @@
           </a:p>
           <a:p>
             <a:pPr indent="0" lvl="0" marL="0" rtl="0" algn="l">
+              <a:spcBef>
+                <a:spcPts val="1200"/>
+              </a:spcBef>
+              <a:spcAft>
+                <a:spcPts val="0"/>
+              </a:spcAft>
+              <a:buNone/>
+            </a:pPr>
+            <a:r>
+              <a:rPr lang="en"/>
+              <a:t>Remove 9th month values </a:t>
+            </a:r>
+            <a:endParaRPr/>
+          </a:p>
+          <a:p>
+            <a:pPr indent="0" lvl="0" marL="0" rtl="0" algn="l">
+              <a:spcBef>
+                <a:spcPts val="1200"/>
+              </a:spcBef>
+              <a:spcAft>
+                <a:spcPts val="0"/>
+              </a:spcAft>
+              <a:buNone/>
+            </a:pPr>
+            <a:r>
+              <a:rPr lang="en"/>
+              <a:t>Drop columns where </a:t>
+            </a:r>
+            <a:r>
+              <a:rPr lang="en"/>
+              <a:t>variance</a:t>
+            </a:r>
+            <a:r>
+              <a:rPr lang="en"/>
+              <a:t> is 0</a:t>
+            </a:r>
+            <a:endParaRPr/>
+          </a:p>
+          <a:p>
+            <a:pPr indent="0" lvl="0" marL="0" rtl="0" algn="l">
               <a:lnSpc>
                 <a:spcPct val="150000"/>
               </a:lnSpc>
